--- a/MySQL实战/22MySQL有哪些“饮鸩止渴”提高性能的方法？.pptx
+++ b/MySQL实战/22MySQL有哪些“饮鸩止渴”提高性能的方法？.pptx
@@ -203,7 +203,7 @@
           <a:p>
             <a:fld id="{A900F2CD-AD8F-46FC-AAAB-A0D218D6826F}" type="datetimeFigureOut">
               <a:rPr lang="zh-CN" altLang="en-US" smtClean="0"/>
-              <a:t>2019/5/26</a:t>
+              <a:t>2020/1/19</a:t>
             </a:fld>
             <a:endParaRPr lang="zh-CN" altLang="en-US"/>
           </a:p>
@@ -1161,7 +1161,7 @@
           <a:p>
             <a:fld id="{E396512D-F96B-4538-B91A-F7EB57A489A0}" type="datetimeFigureOut">
               <a:rPr lang="zh-CN" altLang="en-US" smtClean="0"/>
-              <a:t>2019/5/26</a:t>
+              <a:t>2020/1/19</a:t>
             </a:fld>
             <a:endParaRPr lang="zh-CN" altLang="en-US"/>
           </a:p>
@@ -1436,7 +1436,7 @@
           <a:p>
             <a:fld id="{E396512D-F96B-4538-B91A-F7EB57A489A0}" type="datetimeFigureOut">
               <a:rPr lang="zh-CN" altLang="en-US" smtClean="0"/>
-              <a:t>2019/5/26</a:t>
+              <a:t>2020/1/19</a:t>
             </a:fld>
             <a:endParaRPr lang="zh-CN" altLang="en-US"/>
           </a:p>
@@ -1630,7 +1630,7 @@
           <a:p>
             <a:fld id="{E396512D-F96B-4538-B91A-F7EB57A489A0}" type="datetimeFigureOut">
               <a:rPr lang="zh-CN" altLang="en-US" smtClean="0"/>
-              <a:t>2019/5/26</a:t>
+              <a:t>2020/1/19</a:t>
             </a:fld>
             <a:endParaRPr lang="zh-CN" altLang="en-US"/>
           </a:p>
@@ -1903,7 +1903,7 @@
           <a:p>
             <a:fld id="{E396512D-F96B-4538-B91A-F7EB57A489A0}" type="datetimeFigureOut">
               <a:rPr lang="zh-CN" altLang="en-US" smtClean="0"/>
-              <a:t>2019/5/26</a:t>
+              <a:t>2020/1/19</a:t>
             </a:fld>
             <a:endParaRPr lang="zh-CN" altLang="en-US"/>
           </a:p>
@@ -2244,7 +2244,7 @@
           <a:p>
             <a:fld id="{E396512D-F96B-4538-B91A-F7EB57A489A0}" type="datetimeFigureOut">
               <a:rPr lang="zh-CN" altLang="en-US" smtClean="0"/>
-              <a:t>2019/5/26</a:t>
+              <a:t>2020/1/19</a:t>
             </a:fld>
             <a:endParaRPr lang="zh-CN" altLang="en-US"/>
           </a:p>
@@ -2867,7 +2867,7 @@
           <a:p>
             <a:fld id="{E396512D-F96B-4538-B91A-F7EB57A489A0}" type="datetimeFigureOut">
               <a:rPr lang="zh-CN" altLang="en-US" smtClean="0"/>
-              <a:t>2019/5/26</a:t>
+              <a:t>2020/1/19</a:t>
             </a:fld>
             <a:endParaRPr lang="zh-CN" altLang="en-US"/>
           </a:p>
@@ -3727,7 +3727,7 @@
           <a:p>
             <a:fld id="{E396512D-F96B-4538-B91A-F7EB57A489A0}" type="datetimeFigureOut">
               <a:rPr lang="zh-CN" altLang="en-US" smtClean="0"/>
-              <a:t>2019/5/26</a:t>
+              <a:t>2020/1/19</a:t>
             </a:fld>
             <a:endParaRPr lang="zh-CN" altLang="en-US"/>
           </a:p>
@@ -3897,7 +3897,7 @@
           <a:p>
             <a:fld id="{E396512D-F96B-4538-B91A-F7EB57A489A0}" type="datetimeFigureOut">
               <a:rPr lang="zh-CN" altLang="en-US" smtClean="0"/>
-              <a:t>2019/5/26</a:t>
+              <a:t>2020/1/19</a:t>
             </a:fld>
             <a:endParaRPr lang="zh-CN" altLang="en-US"/>
           </a:p>
@@ -4077,7 +4077,7 @@
           <a:p>
             <a:fld id="{E396512D-F96B-4538-B91A-F7EB57A489A0}" type="datetimeFigureOut">
               <a:rPr lang="zh-CN" altLang="en-US" smtClean="0"/>
-              <a:t>2019/5/26</a:t>
+              <a:t>2020/1/19</a:t>
             </a:fld>
             <a:endParaRPr lang="zh-CN" altLang="en-US"/>
           </a:p>
@@ -4247,7 +4247,7 @@
           <a:p>
             <a:fld id="{E396512D-F96B-4538-B91A-F7EB57A489A0}" type="datetimeFigureOut">
               <a:rPr lang="zh-CN" altLang="en-US" smtClean="0"/>
-              <a:t>2019/5/26</a:t>
+              <a:t>2020/1/19</a:t>
             </a:fld>
             <a:endParaRPr lang="zh-CN" altLang="en-US"/>
           </a:p>
@@ -4494,7 +4494,7 @@
           <a:p>
             <a:fld id="{E396512D-F96B-4538-B91A-F7EB57A489A0}" type="datetimeFigureOut">
               <a:rPr lang="zh-CN" altLang="en-US" smtClean="0"/>
-              <a:t>2019/5/26</a:t>
+              <a:t>2020/1/19</a:t>
             </a:fld>
             <a:endParaRPr lang="zh-CN" altLang="en-US"/>
           </a:p>
@@ -4786,7 +4786,7 @@
           <a:p>
             <a:fld id="{E396512D-F96B-4538-B91A-F7EB57A489A0}" type="datetimeFigureOut">
               <a:rPr lang="zh-CN" altLang="en-US" smtClean="0"/>
-              <a:t>2019/5/26</a:t>
+              <a:t>2020/1/19</a:t>
             </a:fld>
             <a:endParaRPr lang="zh-CN" altLang="en-US"/>
           </a:p>
@@ -5230,7 +5230,7 @@
           <a:p>
             <a:fld id="{E396512D-F96B-4538-B91A-F7EB57A489A0}" type="datetimeFigureOut">
               <a:rPr lang="zh-CN" altLang="en-US" smtClean="0"/>
-              <a:t>2019/5/26</a:t>
+              <a:t>2020/1/19</a:t>
             </a:fld>
             <a:endParaRPr lang="zh-CN" altLang="en-US"/>
           </a:p>
@@ -5348,7 +5348,7 @@
           <a:p>
             <a:fld id="{E396512D-F96B-4538-B91A-F7EB57A489A0}" type="datetimeFigureOut">
               <a:rPr lang="zh-CN" altLang="en-US" smtClean="0"/>
-              <a:t>2019/5/26</a:t>
+              <a:t>2020/1/19</a:t>
             </a:fld>
             <a:endParaRPr lang="zh-CN" altLang="en-US"/>
           </a:p>
@@ -5443,7 +5443,7 @@
           <a:p>
             <a:fld id="{E396512D-F96B-4538-B91A-F7EB57A489A0}" type="datetimeFigureOut">
               <a:rPr lang="zh-CN" altLang="en-US" smtClean="0"/>
-              <a:t>2019/5/26</a:t>
+              <a:t>2020/1/19</a:t>
             </a:fld>
             <a:endParaRPr lang="zh-CN" altLang="en-US"/>
           </a:p>
@@ -5722,7 +5722,7 @@
           <a:p>
             <a:fld id="{E396512D-F96B-4538-B91A-F7EB57A489A0}" type="datetimeFigureOut">
               <a:rPr lang="zh-CN" altLang="en-US" smtClean="0"/>
-              <a:t>2019/5/26</a:t>
+              <a:t>2020/1/19</a:t>
             </a:fld>
             <a:endParaRPr lang="zh-CN" altLang="en-US"/>
           </a:p>
@@ -5997,7 +5997,7 @@
           <a:p>
             <a:fld id="{E396512D-F96B-4538-B91A-F7EB57A489A0}" type="datetimeFigureOut">
               <a:rPr lang="zh-CN" altLang="en-US" smtClean="0"/>
-              <a:t>2019/5/26</a:t>
+              <a:t>2020/1/19</a:t>
             </a:fld>
             <a:endParaRPr lang="zh-CN" altLang="en-US"/>
           </a:p>
@@ -6426,7 +6426,7 @@
           <a:p>
             <a:fld id="{E396512D-F96B-4538-B91A-F7EB57A489A0}" type="datetimeFigureOut">
               <a:rPr lang="zh-CN" altLang="en-US" smtClean="0"/>
-              <a:t>2019/5/26</a:t>
+              <a:t>2020/1/19</a:t>
             </a:fld>
             <a:endParaRPr lang="zh-CN" altLang="en-US"/>
           </a:p>
@@ -6988,10 +6988,6 @@
               </a:rPr>
               <a:t>有哪些“饮鸩止渴”提高性能的方法？</a:t>
             </a:r>
-            <a:endParaRPr lang="zh-CN" altLang="en-US" sz="3200" b="1" dirty="0">
-              <a:latin typeface="微软雅黑" panose="020B0503020204020204" pitchFamily="34" charset="-122"/>
-              <a:ea typeface="微软雅黑" panose="020B0503020204020204" pitchFamily="34" charset="-122"/>
-            </a:endParaRPr>
           </a:p>
         </p:txBody>
       </p:sp>
@@ -7194,10 +7190,6 @@
               </a:rPr>
               <a:t>有哪些“饮鸩止渴”提高性能的方法？</a:t>
             </a:r>
-            <a:endParaRPr lang="zh-CN" altLang="en-US" sz="3200" b="1" dirty="0">
-              <a:latin typeface="微软雅黑" panose="020B0503020204020204" pitchFamily="34" charset="-122"/>
-              <a:ea typeface="微软雅黑" panose="020B0503020204020204" pitchFamily="34" charset="-122"/>
-            </a:endParaRPr>
           </a:p>
         </p:txBody>
       </p:sp>
@@ -7339,15 +7331,48 @@
                 <a:latin typeface="微软雅黑" panose="020B0503020204020204" pitchFamily="34" charset="-122"/>
                 <a:ea typeface="微软雅黑" panose="020B0503020204020204" pitchFamily="34" charset="-122"/>
               </a:rPr>
-              <a:t>握手、登陆权限判、获取连接的数据读写权限。</a:t>
-            </a:r>
-            <a:endParaRPr lang="zh-CN" altLang="en-US" sz="1600" dirty="0" smtClean="0">
-              <a:solidFill>
-                <a:srgbClr val="92D050"/>
-              </a:solidFill>
-              <a:latin typeface="微软雅黑" panose="020B0503020204020204" pitchFamily="34" charset="-122"/>
-              <a:ea typeface="微软雅黑" panose="020B0503020204020204" pitchFamily="34" charset="-122"/>
-            </a:endParaRPr>
+              <a:t>握手、登陆权限</a:t>
+            </a:r>
+            <a:r>
+              <a:rPr lang="zh-CN" altLang="en-US" sz="1600" dirty="0" smtClean="0">
+                <a:solidFill>
+                  <a:srgbClr val="92D050"/>
+                </a:solidFill>
+                <a:latin typeface="微软雅黑" panose="020B0503020204020204" pitchFamily="34" charset="-122"/>
+                <a:ea typeface="微软雅黑" panose="020B0503020204020204" pitchFamily="34" charset="-122"/>
+              </a:rPr>
+              <a:t>判</a:t>
+            </a:r>
+            <a:r>
+              <a:rPr lang="zh-CN" altLang="en-US" sz="1600" dirty="0">
+                <a:solidFill>
+                  <a:srgbClr val="92D050"/>
+                </a:solidFill>
+                <a:latin typeface="微软雅黑" panose="020B0503020204020204" pitchFamily="34" charset="-122"/>
+                <a:ea typeface="微软雅黑" panose="020B0503020204020204" pitchFamily="34" charset="-122"/>
+              </a:rPr>
+              <a:t>断</a:t>
+            </a:r>
+            <a:r>
+              <a:rPr lang="zh-CN" altLang="en-US" sz="1600" dirty="0" smtClean="0">
+                <a:solidFill>
+                  <a:srgbClr val="92D050"/>
+                </a:solidFill>
+                <a:latin typeface="微软雅黑" panose="020B0503020204020204" pitchFamily="34" charset="-122"/>
+                <a:ea typeface="微软雅黑" panose="020B0503020204020204" pitchFamily="34" charset="-122"/>
+              </a:rPr>
+              <a:t>、</a:t>
+            </a:r>
+            <a:r>
+              <a:rPr lang="zh-CN" altLang="en-US" sz="1600" dirty="0" smtClean="0">
+                <a:solidFill>
+                  <a:srgbClr val="92D050"/>
+                </a:solidFill>
+                <a:latin typeface="微软雅黑" panose="020B0503020204020204" pitchFamily="34" charset="-122"/>
+                <a:ea typeface="微软雅黑" panose="020B0503020204020204" pitchFamily="34" charset="-122"/>
+              </a:rPr>
+              <a:t>获取连接的数据读写权限。</a:t>
+            </a:r>
           </a:p>
         </p:txBody>
       </p:sp>
@@ -7487,13 +7512,6 @@
               </a:rPr>
               <a:t>秒之后直接断开连接</a:t>
             </a:r>
-            <a:endParaRPr lang="zh-CN" altLang="en-US" sz="1600" dirty="0" smtClean="0">
-              <a:solidFill>
-                <a:srgbClr val="FFFF00"/>
-              </a:solidFill>
-              <a:latin typeface="微软雅黑" panose="020B0503020204020204" pitchFamily="34" charset="-122"/>
-              <a:ea typeface="微软雅黑" panose="020B0503020204020204" pitchFamily="34" charset="-122"/>
-            </a:endParaRPr>
           </a:p>
         </p:txBody>
       </p:sp>
@@ -7728,13 +7746,6 @@
                         </a:rPr>
                         <a:t>T</a:t>
                       </a:r>
-                      <a:endParaRPr lang="en-US" altLang="zh-CN" sz="1400" baseline="0" dirty="0" smtClean="0">
-                        <a:solidFill>
-                          <a:schemeClr val="bg1"/>
-                        </a:solidFill>
-                        <a:latin typeface="微软雅黑" panose="020B0503020204020204" pitchFamily="34" charset="-122"/>
-                        <a:ea typeface="微软雅黑" panose="020B0503020204020204" pitchFamily="34" charset="-122"/>
-                      </a:endParaRPr>
                     </a:p>
                   </a:txBody>
                   <a:tcPr/>
@@ -7766,13 +7777,6 @@
                         </a:rPr>
                         <a:t>insert into t values(1,1)</a:t>
                       </a:r>
-                      <a:endParaRPr lang="en-US" altLang="zh-CN" sz="1400" baseline="0" dirty="0" smtClean="0">
-                        <a:solidFill>
-                          <a:schemeClr val="bg1"/>
-                        </a:solidFill>
-                        <a:latin typeface="微软雅黑" panose="020B0503020204020204" pitchFamily="34" charset="-122"/>
-                        <a:ea typeface="微软雅黑" panose="020B0503020204020204" pitchFamily="34" charset="-122"/>
-                      </a:endParaRPr>
                     </a:p>
                   </a:txBody>
                   <a:tcPr/>
@@ -8327,10 +8331,6 @@
               </a:rPr>
               <a:t>有哪些“饮鸩止渴”提高性能的方法？</a:t>
             </a:r>
-            <a:endParaRPr lang="zh-CN" altLang="en-US" sz="3200" b="1" dirty="0">
-              <a:latin typeface="微软雅黑" panose="020B0503020204020204" pitchFamily="34" charset="-122"/>
-              <a:ea typeface="微软雅黑" panose="020B0503020204020204" pitchFamily="34" charset="-122"/>
-            </a:endParaRPr>
           </a:p>
         </p:txBody>
       </p:sp>
@@ -8583,13 +8583,6 @@
               </a:rPr>
               <a:t>ERROR 2013(HY000):Lost connection to MySQL server during query</a:t>
             </a:r>
-            <a:endParaRPr lang="en-US" altLang="zh-CN" sz="1400" dirty="0" smtClean="0">
-              <a:solidFill>
-                <a:srgbClr val="FFFF00"/>
-              </a:solidFill>
-              <a:latin typeface="微软雅黑" panose="020B0503020204020204" pitchFamily="34" charset="-122"/>
-              <a:ea typeface="微软雅黑" panose="020B0503020204020204" pitchFamily="34" charset="-122"/>
-            </a:endParaRPr>
           </a:p>
         </p:txBody>
       </p:sp>
@@ -8664,10 +8657,6 @@
               </a:rPr>
               <a:t>有哪些“饮鸩止渴”提高性能的方法？</a:t>
             </a:r>
-            <a:endParaRPr lang="zh-CN" altLang="en-US" sz="3200" b="1" dirty="0">
-              <a:latin typeface="微软雅黑" panose="020B0503020204020204" pitchFamily="34" charset="-122"/>
-              <a:ea typeface="微软雅黑" panose="020B0503020204020204" pitchFamily="34" charset="-122"/>
-            </a:endParaRPr>
           </a:p>
         </p:txBody>
       </p:sp>
@@ -8779,7 +8768,17 @@
                 <a:latin typeface="微软雅黑" panose="020B0503020204020204" pitchFamily="34" charset="-122"/>
                 <a:ea typeface="微软雅黑" panose="020B0503020204020204" pitchFamily="34" charset="-122"/>
               </a:rPr>
-              <a:t>：减少连接过程的消耗（跳过权限验证阶段</a:t>
+              <a:t>：减少连接过程的消耗（跳过权限验证阶段，重启</a:t>
+            </a:r>
+            <a:r>
+              <a:rPr lang="en-US" altLang="zh-CN" sz="1600" dirty="0" err="1" smtClean="0">
+                <a:solidFill>
+                  <a:srgbClr val="92D050"/>
+                </a:solidFill>
+                <a:latin typeface="微软雅黑" panose="020B0503020204020204" pitchFamily="34" charset="-122"/>
+                <a:ea typeface="微软雅黑" panose="020B0503020204020204" pitchFamily="34" charset="-122"/>
+              </a:rPr>
+              <a:t>mysql</a:t>
             </a:r>
             <a:r>
               <a:rPr lang="zh-CN" altLang="en-US" sz="1600" dirty="0" smtClean="0">
@@ -8789,37 +8788,7 @@
                 <a:latin typeface="微软雅黑" panose="020B0503020204020204" pitchFamily="34" charset="-122"/>
                 <a:ea typeface="微软雅黑" panose="020B0503020204020204" pitchFamily="34" charset="-122"/>
               </a:rPr>
-              <a:t>，重启</a:t>
-            </a:r>
-            <a:r>
-              <a:rPr lang="en-US" altLang="zh-CN" sz="1600" dirty="0" err="1" smtClean="0">
-                <a:solidFill>
-                  <a:srgbClr val="92D050"/>
-                </a:solidFill>
-                <a:latin typeface="微软雅黑" panose="020B0503020204020204" pitchFamily="34" charset="-122"/>
-                <a:ea typeface="微软雅黑" panose="020B0503020204020204" pitchFamily="34" charset="-122"/>
-              </a:rPr>
-              <a:t>mysql</a:t>
-            </a:r>
-            <a:r>
-              <a:rPr lang="zh-CN" altLang="en-US" sz="1600" dirty="0" smtClean="0">
-                <a:solidFill>
-                  <a:srgbClr val="92D050"/>
-                </a:solidFill>
-                <a:latin typeface="微软雅黑" panose="020B0503020204020204" pitchFamily="34" charset="-122"/>
-                <a:ea typeface="微软雅黑" panose="020B0503020204020204" pitchFamily="34" charset="-122"/>
-              </a:rPr>
-              <a:t>时加上参数</a:t>
-            </a:r>
-            <a:r>
-              <a:rPr lang="zh-CN" altLang="en-US" sz="1600" dirty="0" smtClean="0">
-                <a:solidFill>
-                  <a:srgbClr val="92D050"/>
-                </a:solidFill>
-                <a:latin typeface="微软雅黑" panose="020B0503020204020204" pitchFamily="34" charset="-122"/>
-                <a:ea typeface="微软雅黑" panose="020B0503020204020204" pitchFamily="34" charset="-122"/>
-              </a:rPr>
-              <a:t> </a:t>
+              <a:t>时加上参数 </a:t>
             </a:r>
             <a:r>
               <a:rPr lang="en-US" altLang="zh-CN" sz="1600" dirty="0" smtClean="0">
@@ -9020,10 +8989,6 @@
               </a:rPr>
               <a:t>有哪些“饮鸩止渴”提高性能的方法？</a:t>
             </a:r>
-            <a:endParaRPr lang="zh-CN" altLang="en-US" sz="3200" b="1" dirty="0">
-              <a:latin typeface="微软雅黑" panose="020B0503020204020204" pitchFamily="34" charset="-122"/>
-              <a:ea typeface="微软雅黑" panose="020B0503020204020204" pitchFamily="34" charset="-122"/>
-            </a:endParaRPr>
           </a:p>
         </p:txBody>
       </p:sp>
@@ -10062,10 +10027,6 @@
               </a:rPr>
               <a:t>有哪些“饮鸩止渴”提高性能的方法？</a:t>
             </a:r>
-            <a:endParaRPr lang="zh-CN" altLang="en-US" sz="3200" b="1" dirty="0">
-              <a:latin typeface="微软雅黑" panose="020B0503020204020204" pitchFamily="34" charset="-122"/>
-              <a:ea typeface="微软雅黑" panose="020B0503020204020204" pitchFamily="34" charset="-122"/>
-            </a:endParaRPr>
           </a:p>
         </p:txBody>
       </p:sp>
@@ -10588,10 +10549,6 @@
               </a:rPr>
               <a:t>有哪些“饮鸩止渴”提高性能的方法？</a:t>
             </a:r>
-            <a:endParaRPr lang="zh-CN" altLang="en-US" sz="3200" b="1" dirty="0">
-              <a:latin typeface="微软雅黑" panose="020B0503020204020204" pitchFamily="34" charset="-122"/>
-              <a:ea typeface="微软雅黑" panose="020B0503020204020204" pitchFamily="34" charset="-122"/>
-            </a:endParaRPr>
           </a:p>
         </p:txBody>
       </p:sp>

--- a/MySQL实战/22MySQL有哪些“饮鸩止渴”提高性能的方法？.pptx
+++ b/MySQL实战/22MySQL有哪些“饮鸩止渴”提高性能的方法？.pptx
@@ -203,7 +203,7 @@
           <a:p>
             <a:fld id="{A900F2CD-AD8F-46FC-AAAB-A0D218D6826F}" type="datetimeFigureOut">
               <a:rPr lang="zh-CN" altLang="en-US" smtClean="0"/>
-              <a:t>2020/1/19</a:t>
+              <a:t>2020/3/26</a:t>
             </a:fld>
             <a:endParaRPr lang="zh-CN" altLang="en-US"/>
           </a:p>
@@ -1161,7 +1161,7 @@
           <a:p>
             <a:fld id="{E396512D-F96B-4538-B91A-F7EB57A489A0}" type="datetimeFigureOut">
               <a:rPr lang="zh-CN" altLang="en-US" smtClean="0"/>
-              <a:t>2020/1/19</a:t>
+              <a:t>2020/3/26</a:t>
             </a:fld>
             <a:endParaRPr lang="zh-CN" altLang="en-US"/>
           </a:p>
@@ -1436,7 +1436,7 @@
           <a:p>
             <a:fld id="{E396512D-F96B-4538-B91A-F7EB57A489A0}" type="datetimeFigureOut">
               <a:rPr lang="zh-CN" altLang="en-US" smtClean="0"/>
-              <a:t>2020/1/19</a:t>
+              <a:t>2020/3/26</a:t>
             </a:fld>
             <a:endParaRPr lang="zh-CN" altLang="en-US"/>
           </a:p>
@@ -1630,7 +1630,7 @@
           <a:p>
             <a:fld id="{E396512D-F96B-4538-B91A-F7EB57A489A0}" type="datetimeFigureOut">
               <a:rPr lang="zh-CN" altLang="en-US" smtClean="0"/>
-              <a:t>2020/1/19</a:t>
+              <a:t>2020/3/26</a:t>
             </a:fld>
             <a:endParaRPr lang="zh-CN" altLang="en-US"/>
           </a:p>
@@ -1903,7 +1903,7 @@
           <a:p>
             <a:fld id="{E396512D-F96B-4538-B91A-F7EB57A489A0}" type="datetimeFigureOut">
               <a:rPr lang="zh-CN" altLang="en-US" smtClean="0"/>
-              <a:t>2020/1/19</a:t>
+              <a:t>2020/3/26</a:t>
             </a:fld>
             <a:endParaRPr lang="zh-CN" altLang="en-US"/>
           </a:p>
@@ -2244,7 +2244,7 @@
           <a:p>
             <a:fld id="{E396512D-F96B-4538-B91A-F7EB57A489A0}" type="datetimeFigureOut">
               <a:rPr lang="zh-CN" altLang="en-US" smtClean="0"/>
-              <a:t>2020/1/19</a:t>
+              <a:t>2020/3/26</a:t>
             </a:fld>
             <a:endParaRPr lang="zh-CN" altLang="en-US"/>
           </a:p>
@@ -2867,7 +2867,7 @@
           <a:p>
             <a:fld id="{E396512D-F96B-4538-B91A-F7EB57A489A0}" type="datetimeFigureOut">
               <a:rPr lang="zh-CN" altLang="en-US" smtClean="0"/>
-              <a:t>2020/1/19</a:t>
+              <a:t>2020/3/26</a:t>
             </a:fld>
             <a:endParaRPr lang="zh-CN" altLang="en-US"/>
           </a:p>
@@ -3727,7 +3727,7 @@
           <a:p>
             <a:fld id="{E396512D-F96B-4538-B91A-F7EB57A489A0}" type="datetimeFigureOut">
               <a:rPr lang="zh-CN" altLang="en-US" smtClean="0"/>
-              <a:t>2020/1/19</a:t>
+              <a:t>2020/3/26</a:t>
             </a:fld>
             <a:endParaRPr lang="zh-CN" altLang="en-US"/>
           </a:p>
@@ -3897,7 +3897,7 @@
           <a:p>
             <a:fld id="{E396512D-F96B-4538-B91A-F7EB57A489A0}" type="datetimeFigureOut">
               <a:rPr lang="zh-CN" altLang="en-US" smtClean="0"/>
-              <a:t>2020/1/19</a:t>
+              <a:t>2020/3/26</a:t>
             </a:fld>
             <a:endParaRPr lang="zh-CN" altLang="en-US"/>
           </a:p>
@@ -4077,7 +4077,7 @@
           <a:p>
             <a:fld id="{E396512D-F96B-4538-B91A-F7EB57A489A0}" type="datetimeFigureOut">
               <a:rPr lang="zh-CN" altLang="en-US" smtClean="0"/>
-              <a:t>2020/1/19</a:t>
+              <a:t>2020/3/26</a:t>
             </a:fld>
             <a:endParaRPr lang="zh-CN" altLang="en-US"/>
           </a:p>
@@ -4247,7 +4247,7 @@
           <a:p>
             <a:fld id="{E396512D-F96B-4538-B91A-F7EB57A489A0}" type="datetimeFigureOut">
               <a:rPr lang="zh-CN" altLang="en-US" smtClean="0"/>
-              <a:t>2020/1/19</a:t>
+              <a:t>2020/3/26</a:t>
             </a:fld>
             <a:endParaRPr lang="zh-CN" altLang="en-US"/>
           </a:p>
@@ -4494,7 +4494,7 @@
           <a:p>
             <a:fld id="{E396512D-F96B-4538-B91A-F7EB57A489A0}" type="datetimeFigureOut">
               <a:rPr lang="zh-CN" altLang="en-US" smtClean="0"/>
-              <a:t>2020/1/19</a:t>
+              <a:t>2020/3/26</a:t>
             </a:fld>
             <a:endParaRPr lang="zh-CN" altLang="en-US"/>
           </a:p>
@@ -4786,7 +4786,7 @@
           <a:p>
             <a:fld id="{E396512D-F96B-4538-B91A-F7EB57A489A0}" type="datetimeFigureOut">
               <a:rPr lang="zh-CN" altLang="en-US" smtClean="0"/>
-              <a:t>2020/1/19</a:t>
+              <a:t>2020/3/26</a:t>
             </a:fld>
             <a:endParaRPr lang="zh-CN" altLang="en-US"/>
           </a:p>
@@ -5230,7 +5230,7 @@
           <a:p>
             <a:fld id="{E396512D-F96B-4538-B91A-F7EB57A489A0}" type="datetimeFigureOut">
               <a:rPr lang="zh-CN" altLang="en-US" smtClean="0"/>
-              <a:t>2020/1/19</a:t>
+              <a:t>2020/3/26</a:t>
             </a:fld>
             <a:endParaRPr lang="zh-CN" altLang="en-US"/>
           </a:p>
@@ -5348,7 +5348,7 @@
           <a:p>
             <a:fld id="{E396512D-F96B-4538-B91A-F7EB57A489A0}" type="datetimeFigureOut">
               <a:rPr lang="zh-CN" altLang="en-US" smtClean="0"/>
-              <a:t>2020/1/19</a:t>
+              <a:t>2020/3/26</a:t>
             </a:fld>
             <a:endParaRPr lang="zh-CN" altLang="en-US"/>
           </a:p>
@@ -5443,7 +5443,7 @@
           <a:p>
             <a:fld id="{E396512D-F96B-4538-B91A-F7EB57A489A0}" type="datetimeFigureOut">
               <a:rPr lang="zh-CN" altLang="en-US" smtClean="0"/>
-              <a:t>2020/1/19</a:t>
+              <a:t>2020/3/26</a:t>
             </a:fld>
             <a:endParaRPr lang="zh-CN" altLang="en-US"/>
           </a:p>
@@ -5722,7 +5722,7 @@
           <a:p>
             <a:fld id="{E396512D-F96B-4538-B91A-F7EB57A489A0}" type="datetimeFigureOut">
               <a:rPr lang="zh-CN" altLang="en-US" smtClean="0"/>
-              <a:t>2020/1/19</a:t>
+              <a:t>2020/3/26</a:t>
             </a:fld>
             <a:endParaRPr lang="zh-CN" altLang="en-US"/>
           </a:p>
@@ -5997,7 +5997,7 @@
           <a:p>
             <a:fld id="{E396512D-F96B-4538-B91A-F7EB57A489A0}" type="datetimeFigureOut">
               <a:rPr lang="zh-CN" altLang="en-US" smtClean="0"/>
-              <a:t>2020/1/19</a:t>
+              <a:t>2020/3/26</a:t>
             </a:fld>
             <a:endParaRPr lang="zh-CN" altLang="en-US"/>
           </a:p>
@@ -6426,7 +6426,7 @@
           <a:p>
             <a:fld id="{E396512D-F96B-4538-B91A-F7EB57A489A0}" type="datetimeFigureOut">
               <a:rPr lang="zh-CN" altLang="en-US" smtClean="0"/>
-              <a:t>2020/1/19</a:t>
+              <a:t>2020/3/26</a:t>
             </a:fld>
             <a:endParaRPr lang="zh-CN" altLang="en-US"/>
           </a:p>
@@ -7331,7 +7331,17 @@
                 <a:latin typeface="微软雅黑" panose="020B0503020204020204" pitchFamily="34" charset="-122"/>
                 <a:ea typeface="微软雅黑" panose="020B0503020204020204" pitchFamily="34" charset="-122"/>
               </a:rPr>
-              <a:t>握手、登陆权限</a:t>
+              <a:t>握手、登陆权限判</a:t>
+            </a:r>
+            <a:r>
+              <a:rPr lang="zh-CN" altLang="en-US" sz="1600" dirty="0">
+                <a:solidFill>
+                  <a:srgbClr val="92D050"/>
+                </a:solidFill>
+                <a:latin typeface="微软雅黑" panose="020B0503020204020204" pitchFamily="34" charset="-122"/>
+                <a:ea typeface="微软雅黑" panose="020B0503020204020204" pitchFamily="34" charset="-122"/>
+              </a:rPr>
+              <a:t>断</a:t>
             </a:r>
             <a:r>
               <a:rPr lang="zh-CN" altLang="en-US" sz="1600" dirty="0" smtClean="0">
@@ -7341,37 +7351,7 @@
                 <a:latin typeface="微软雅黑" panose="020B0503020204020204" pitchFamily="34" charset="-122"/>
                 <a:ea typeface="微软雅黑" panose="020B0503020204020204" pitchFamily="34" charset="-122"/>
               </a:rPr>
-              <a:t>判</a:t>
-            </a:r>
-            <a:r>
-              <a:rPr lang="zh-CN" altLang="en-US" sz="1600" dirty="0">
-                <a:solidFill>
-                  <a:srgbClr val="92D050"/>
-                </a:solidFill>
-                <a:latin typeface="微软雅黑" panose="020B0503020204020204" pitchFamily="34" charset="-122"/>
-                <a:ea typeface="微软雅黑" panose="020B0503020204020204" pitchFamily="34" charset="-122"/>
-              </a:rPr>
-              <a:t>断</a:t>
-            </a:r>
-            <a:r>
-              <a:rPr lang="zh-CN" altLang="en-US" sz="1600" dirty="0" smtClean="0">
-                <a:solidFill>
-                  <a:srgbClr val="92D050"/>
-                </a:solidFill>
-                <a:latin typeface="微软雅黑" panose="020B0503020204020204" pitchFamily="34" charset="-122"/>
-                <a:ea typeface="微软雅黑" panose="020B0503020204020204" pitchFamily="34" charset="-122"/>
-              </a:rPr>
-              <a:t>、</a:t>
-            </a:r>
-            <a:r>
-              <a:rPr lang="zh-CN" altLang="en-US" sz="1600" dirty="0" smtClean="0">
-                <a:solidFill>
-                  <a:srgbClr val="92D050"/>
-                </a:solidFill>
-                <a:latin typeface="微软雅黑" panose="020B0503020204020204" pitchFamily="34" charset="-122"/>
-                <a:ea typeface="微软雅黑" panose="020B0503020204020204" pitchFamily="34" charset="-122"/>
-              </a:rPr>
-              <a:t>获取连接的数据读写权限。</a:t>
+              <a:t>、获取连接的数据读写权限。</a:t>
             </a:r>
           </a:p>
         </p:txBody>
@@ -7544,7 +7524,47 @@
                 <a:latin typeface="微软雅黑" panose="020B0503020204020204" pitchFamily="34" charset="-122"/>
                 <a:ea typeface="微软雅黑" panose="020B0503020204020204" pitchFamily="34" charset="-122"/>
               </a:rPr>
-              <a:t>有损方案一：先处理掉那些站着连接但是不工作的线程</a:t>
+              <a:t>有损方案一：先处理掉</a:t>
+            </a:r>
+            <a:r>
+              <a:rPr lang="zh-CN" altLang="en-US" sz="1600" dirty="0" smtClean="0">
+                <a:solidFill>
+                  <a:srgbClr val="92D050"/>
+                </a:solidFill>
+                <a:latin typeface="微软雅黑" panose="020B0503020204020204" pitchFamily="34" charset="-122"/>
+                <a:ea typeface="微软雅黑" panose="020B0503020204020204" pitchFamily="34" charset="-122"/>
+              </a:rPr>
+              <a:t>那些</a:t>
+            </a:r>
+            <a:r>
+              <a:rPr lang="zh-CN" altLang="en-US" sz="1600" dirty="0">
+                <a:solidFill>
+                  <a:srgbClr val="92D050"/>
+                </a:solidFill>
+                <a:latin typeface="微软雅黑" panose="020B0503020204020204" pitchFamily="34" charset="-122"/>
+                <a:ea typeface="微软雅黑" panose="020B0503020204020204" pitchFamily="34" charset="-122"/>
+              </a:rPr>
+              <a:t>占</a:t>
+            </a:r>
+            <a:r>
+              <a:rPr lang="zh-CN" altLang="en-US" sz="1600" dirty="0" smtClean="0">
+                <a:solidFill>
+                  <a:srgbClr val="92D050"/>
+                </a:solidFill>
+                <a:latin typeface="微软雅黑" panose="020B0503020204020204" pitchFamily="34" charset="-122"/>
+                <a:ea typeface="微软雅黑" panose="020B0503020204020204" pitchFamily="34" charset="-122"/>
+              </a:rPr>
+              <a:t>着</a:t>
+            </a:r>
+            <a:r>
+              <a:rPr lang="zh-CN" altLang="en-US" sz="1600" dirty="0" smtClean="0">
+                <a:solidFill>
+                  <a:srgbClr val="92D050"/>
+                </a:solidFill>
+                <a:latin typeface="微软雅黑" panose="020B0503020204020204" pitchFamily="34" charset="-122"/>
+                <a:ea typeface="微软雅黑" panose="020B0503020204020204" pitchFamily="34" charset="-122"/>
+              </a:rPr>
+              <a:t>连接但是不工作的线程</a:t>
             </a:r>
             <a:endParaRPr lang="en-US" altLang="zh-CN" sz="1600" dirty="0" smtClean="0">
               <a:solidFill>
